--- a/3D/GeoJson-Notes.pptx
+++ b/3D/GeoJson-Notes.pptx
@@ -5,21 +5,24 @@
     <p:sldMasterId id="2147483648" r:id="rId1"/>
   </p:sldMasterIdLst>
   <p:notesMasterIdLst>
-    <p:notesMasterId r:id="rId7"/>
+    <p:notesMasterId r:id="rId10"/>
   </p:notesMasterIdLst>
   <p:handoutMasterIdLst>
-    <p:handoutMasterId r:id="rId8"/>
+    <p:handoutMasterId r:id="rId11"/>
   </p:handoutMasterIdLst>
   <p:sldIdLst>
     <p:sldId id="409" r:id="rId3"/>
     <p:sldId id="423" r:id="rId4"/>
     <p:sldId id="424" r:id="rId5"/>
     <p:sldId id="425" r:id="rId6"/>
+    <p:sldId id="427" r:id="rId7"/>
+    <p:sldId id="428" r:id="rId8"/>
+    <p:sldId id="426" r:id="rId9"/>
   </p:sldIdLst>
   <p:sldSz cx="12192000" cy="6858000"/>
   <p:notesSz cx="6858000" cy="9144000"/>
   <p:custDataLst>
-    <p:tags r:id="rId12"/>
+    <p:tags r:id="rId15"/>
   </p:custDataLst>
   <p:defaultTextStyle>
     <a:defPPr>
@@ -3745,6 +3748,14 @@
             <a:pPr lvl="1"/>
             <a:r>
               <a:rPr lang="en-US" altLang="zh-CN"/>
+              <a:t>https://geojson.org/</a:t>
+            </a:r>
+            <a:endParaRPr lang="en-US" altLang="zh-CN"/>
+          </a:p>
+          <a:p>
+            <a:pPr lvl="1"/>
+            <a:r>
+              <a:rPr lang="en-US" altLang="zh-CN"/>
               <a:t>https://docs.fileformat.com/gis/geojson/</a:t>
             </a:r>
             <a:endParaRPr lang="en-US" altLang="zh-CN"/>
@@ -4319,9 +4330,16 @@
             <p:ph idx="1"/>
           </p:nvPr>
         </p:nvSpPr>
-        <p:spPr/>
-        <p:txBody>
-          <a:bodyPr/>
+        <p:spPr>
+          <a:xfrm>
+            <a:off x="838200" y="1211580"/>
+            <a:ext cx="10515600" cy="4857115"/>
+          </a:xfrm>
+        </p:spPr>
+        <p:txBody>
+          <a:bodyPr>
+            <a:normAutofit fontScale="70000"/>
+          </a:bodyPr>
           <a:p>
             <a:r>
               <a:rPr lang="en-US" altLang="zh-CN"/>
@@ -4338,6 +4356,22 @@
             <a:endParaRPr lang="zh-CN" altLang="en-US"/>
           </a:p>
           <a:p>
+            <a:pPr lvl="1"/>
+            <a:r>
+              <a:rPr lang="zh-CN" altLang="en-US"/>
+              <a:t>https://github.com/jazzband/geojson</a:t>
+            </a:r>
+            <a:endParaRPr lang="zh-CN" altLang="en-US"/>
+          </a:p>
+          <a:p>
+            <a:pPr lvl="1"/>
+            <a:r>
+              <a:rPr lang="zh-CN" altLang="en-US"/>
+              <a:t>https://github.com/tangerren/Indoor-Map</a:t>
+            </a:r>
+            <a:endParaRPr lang="zh-CN" altLang="en-US"/>
+          </a:p>
+          <a:p>
             <a:pPr lvl="0"/>
             <a:r>
               <a:rPr lang="en-US" altLang="zh-CN"/>
@@ -4350,6 +4384,309 @@
             <a:r>
               <a:rPr lang="en-US" altLang="zh-CN"/>
               <a:t>pip install geojson</a:t>
+            </a:r>
+            <a:endParaRPr lang="en-US" altLang="zh-CN"/>
+          </a:p>
+          <a:p>
+            <a:pPr lvl="0"/>
+            <a:r>
+              <a:rPr lang="en-US" altLang="zh-CN"/>
+              <a:t>Objects</a:t>
+            </a:r>
+            <a:endParaRPr lang="en-US" altLang="zh-CN"/>
+          </a:p>
+          <a:p>
+            <a:pPr lvl="1"/>
+            <a:r>
+              <a:rPr lang="en-US" altLang="zh-CN"/>
+              <a:t>Point, MultiPoint, LineString, MultiLineString, Polygon, MultiPolygon</a:t>
+            </a:r>
+            <a:endParaRPr lang="en-US" altLang="zh-CN"/>
+          </a:p>
+          <a:p>
+            <a:pPr lvl="1"/>
+            <a:r>
+              <a:rPr lang="en-US" altLang="zh-CN"/>
+              <a:t>GeometryCollection</a:t>
+            </a:r>
+            <a:endParaRPr lang="en-US" altLang="zh-CN"/>
+          </a:p>
+          <a:p>
+            <a:pPr lvl="1"/>
+            <a:r>
+              <a:rPr lang="en-US" altLang="zh-CN"/>
+              <a:t>Feature, Feature Collection</a:t>
+            </a:r>
+            <a:endParaRPr lang="en-US" altLang="zh-CN"/>
+          </a:p>
+          <a:p>
+            <a:pPr lvl="0"/>
+            <a:r>
+              <a:rPr lang="en-US" altLang="zh-CN"/>
+              <a:t>Render</a:t>
+            </a:r>
+            <a:endParaRPr lang="en-US" altLang="zh-CN"/>
+          </a:p>
+          <a:p>
+            <a:pPr lvl="1"/>
+            <a:r>
+              <a:rPr lang="en-US" altLang="zh-CN"/>
+              <a:t>features: array of feature</a:t>
+            </a:r>
+            <a:endParaRPr lang="en-US" altLang="zh-CN"/>
+          </a:p>
+          <a:p>
+            <a:pPr lvl="1"/>
+            <a:r>
+              <a:rPr lang="en-US" altLang="zh-CN"/>
+              <a:t>for each feature: geometry.coordinates</a:t>
+            </a:r>
+            <a:endParaRPr lang="en-US" altLang="zh-CN"/>
+          </a:p>
+          <a:p>
+            <a:pPr lvl="1"/>
+            <a:r>
+              <a:rPr lang="en-US" altLang="zh-CN"/>
+              <a:t>coordinates: array of multipolygons</a:t>
+            </a:r>
+            <a:endParaRPr lang="en-US" altLang="zh-CN"/>
+          </a:p>
+          <a:p>
+            <a:pPr lvl="1"/>
+            <a:r>
+              <a:rPr lang="en-US" altLang="zh-CN"/>
+              <a:t>multipolygon: consists of polygons</a:t>
+            </a:r>
+            <a:endParaRPr lang="en-US" altLang="zh-CN"/>
+          </a:p>
+          <a:p>
+            <a:pPr lvl="1"/>
+            <a:r>
+              <a:rPr lang="en-US" altLang="zh-CN"/>
+              <a:t>polygon: shape -&gt; extrude to 3D geometry</a:t>
+            </a:r>
+            <a:endParaRPr lang="en-US" altLang="zh-CN"/>
+          </a:p>
+          <a:p>
+            <a:pPr lvl="1"/>
+            <a:r>
+              <a:rPr lang="en-US" altLang="zh-CN"/>
+              <a:t>assign properties of feature to mesh</a:t>
+            </a:r>
+            <a:endParaRPr lang="en-US" altLang="zh-CN"/>
+          </a:p>
+        </p:txBody>
+      </p:sp>
+    </p:spTree>
+    <p:custDataLst>
+      <p:tags r:id="rId1"/>
+    </p:custDataLst>
+  </p:cSld>
+  <p:clrMapOvr>
+    <a:masterClrMapping/>
+  </p:clrMapOvr>
+</p:sld>
+</file>
+
+<file path=ppt/slides/slide5.xml><?xml version="1.0" encoding="utf-8"?>
+<p:sld xmlns:a="http://schemas.openxmlformats.org/drawingml/2006/main" xmlns:r="http://schemas.openxmlformats.org/officeDocument/2006/relationships" xmlns:p="http://schemas.openxmlformats.org/presentationml/2006/main">
+  <p:cSld>
+    <p:spTree>
+      <p:nvGrpSpPr>
+        <p:cNvPr id="1" name=""/>
+        <p:cNvGrpSpPr/>
+        <p:nvPr/>
+      </p:nvGrpSpPr>
+      <p:grpSpPr/>
+      <p:sp>
+        <p:nvSpPr>
+          <p:cNvPr id="2" name="标题 1"/>
+          <p:cNvSpPr>
+            <a:spLocks noGrp="1"/>
+          </p:cNvSpPr>
+          <p:nvPr>
+            <p:ph type="title"/>
+          </p:nvPr>
+        </p:nvSpPr>
+        <p:spPr/>
+        <p:txBody>
+          <a:bodyPr/>
+          <a:p>
+            <a:r>
+              <a:rPr lang="en-US" altLang="zh-CN"/>
+              <a:t>Visualize</a:t>
+            </a:r>
+            <a:endParaRPr lang="en-US" altLang="zh-CN"/>
+          </a:p>
+        </p:txBody>
+      </p:sp>
+      <p:sp>
+        <p:nvSpPr>
+          <p:cNvPr id="3" name="内容占位符 2"/>
+          <p:cNvSpPr>
+            <a:spLocks noGrp="1"/>
+          </p:cNvSpPr>
+          <p:nvPr>
+            <p:ph idx="1"/>
+          </p:nvPr>
+        </p:nvSpPr>
+        <p:spPr/>
+        <p:txBody>
+          <a:bodyPr/>
+          <a:p>
+            <a:r>
+              <a:rPr lang="en-US" altLang="zh-CN"/>
+              <a:t>References</a:t>
+            </a:r>
+            <a:endParaRPr lang="en-US" altLang="zh-CN"/>
+          </a:p>
+          <a:p>
+            <a:pPr lvl="1"/>
+            <a:r>
+              <a:rPr lang="en-US" altLang="zh-CN"/>
+              <a:t>https://mappingwithd3.com/getting-started/</a:t>
+            </a:r>
+            <a:endParaRPr lang="en-US" altLang="zh-CN"/>
+          </a:p>
+          <a:p>
+            <a:pPr lvl="1"/>
+            <a:r>
+              <a:rPr lang="en-US" altLang="zh-CN"/>
+              <a:t>https://github.com/straiki/react-d3-geojson.git</a:t>
+            </a:r>
+            <a:endParaRPr lang="en-US" altLang="zh-CN"/>
+          </a:p>
+        </p:txBody>
+      </p:sp>
+    </p:spTree>
+    <p:custDataLst>
+      <p:tags r:id="rId1"/>
+    </p:custDataLst>
+  </p:cSld>
+  <p:clrMapOvr>
+    <a:masterClrMapping/>
+  </p:clrMapOvr>
+</p:sld>
+</file>
+
+<file path=ppt/slides/slide6.xml><?xml version="1.0" encoding="utf-8"?>
+<p:sld xmlns:a="http://schemas.openxmlformats.org/drawingml/2006/main" xmlns:r="http://schemas.openxmlformats.org/officeDocument/2006/relationships" xmlns:p="http://schemas.openxmlformats.org/presentationml/2006/main">
+  <p:cSld>
+    <p:spTree>
+      <p:nvGrpSpPr>
+        <p:cNvPr id="1" name=""/>
+        <p:cNvGrpSpPr/>
+        <p:nvPr/>
+      </p:nvGrpSpPr>
+      <p:grpSpPr/>
+      <p:sp>
+        <p:nvSpPr>
+          <p:cNvPr id="2" name="标题 1"/>
+          <p:cNvSpPr>
+            <a:spLocks noGrp="1"/>
+          </p:cNvSpPr>
+          <p:nvPr>
+            <p:ph type="title"/>
+          </p:nvPr>
+        </p:nvSpPr>
+        <p:spPr/>
+        <p:txBody>
+          <a:bodyPr/>
+          <a:p>
+            <a:r>
+              <a:rPr lang="en-US" altLang="zh-CN"/>
+              <a:t>Edit</a:t>
+            </a:r>
+            <a:endParaRPr lang="en-US" altLang="zh-CN"/>
+          </a:p>
+        </p:txBody>
+      </p:sp>
+      <p:sp>
+        <p:nvSpPr>
+          <p:cNvPr id="3" name="内容占位符 2"/>
+          <p:cNvSpPr>
+            <a:spLocks noGrp="1"/>
+          </p:cNvSpPr>
+          <p:nvPr>
+            <p:ph idx="1"/>
+          </p:nvPr>
+        </p:nvSpPr>
+        <p:spPr/>
+        <p:txBody>
+          <a:bodyPr/>
+          <a:p>
+            <a:endParaRPr lang="zh-CN" altLang="en-US"/>
+          </a:p>
+        </p:txBody>
+      </p:sp>
+    </p:spTree>
+    <p:custDataLst>
+      <p:tags r:id="rId1"/>
+    </p:custDataLst>
+  </p:cSld>
+  <p:clrMapOvr>
+    <a:masterClrMapping/>
+  </p:clrMapOvr>
+</p:sld>
+</file>
+
+<file path=ppt/slides/slide7.xml><?xml version="1.0" encoding="utf-8"?>
+<p:sld xmlns:a="http://schemas.openxmlformats.org/drawingml/2006/main" xmlns:r="http://schemas.openxmlformats.org/officeDocument/2006/relationships" xmlns:p="http://schemas.openxmlformats.org/presentationml/2006/main">
+  <p:cSld>
+    <p:spTree>
+      <p:nvGrpSpPr>
+        <p:cNvPr id="1" name=""/>
+        <p:cNvGrpSpPr/>
+        <p:nvPr/>
+      </p:nvGrpSpPr>
+      <p:grpSpPr/>
+      <p:sp>
+        <p:nvSpPr>
+          <p:cNvPr id="2" name="标题 1"/>
+          <p:cNvSpPr>
+            <a:spLocks noGrp="1"/>
+          </p:cNvSpPr>
+          <p:nvPr>
+            <p:ph type="title"/>
+          </p:nvPr>
+        </p:nvSpPr>
+        <p:spPr/>
+        <p:txBody>
+          <a:bodyPr/>
+          <a:p>
+            <a:r>
+              <a:rPr lang="en-US" altLang="zh-CN"/>
+              <a:t>Format Conversion</a:t>
+            </a:r>
+            <a:endParaRPr lang="en-US" altLang="zh-CN"/>
+          </a:p>
+        </p:txBody>
+      </p:sp>
+      <p:sp>
+        <p:nvSpPr>
+          <p:cNvPr id="3" name="内容占位符 2"/>
+          <p:cNvSpPr>
+            <a:spLocks noGrp="1"/>
+          </p:cNvSpPr>
+          <p:nvPr>
+            <p:ph idx="1"/>
+          </p:nvPr>
+        </p:nvSpPr>
+        <p:spPr/>
+        <p:txBody>
+          <a:bodyPr/>
+          <a:p>
+            <a:r>
+              <a:rPr lang="en-US" altLang="zh-CN"/>
+              <a:t>SVG</a:t>
+            </a:r>
+            <a:endParaRPr lang="en-US" altLang="zh-CN"/>
+          </a:p>
+          <a:p>
+            <a:pPr lvl="1"/>
+            <a:r>
+              <a:rPr lang="en-US" altLang="zh-CN"/>
+              <a:t>https://github.com/gagan-bansal/geojson2svg.git</a:t>
             </a:r>
             <a:endParaRPr lang="en-US" altLang="zh-CN"/>
           </a:p>
@@ -4375,6 +4712,30 @@
 </file>
 
 <file path=ppt/tags/tag10.xml><?xml version="1.0" encoding="utf-8"?>
+<p:tagLst xmlns:p="http://schemas.openxmlformats.org/presentationml/2006/main">
+  <p:tag name="KSO_WM_BEAUTIFY_FLAG" val="#wm#"/>
+  <p:tag name="KSO_WM_TEMPLATE_CATEGORY" val="custom"/>
+  <p:tag name="KSO_WM_TEMPLATE_INDEX" val="160402"/>
+</p:tagLst>
+</file>
+
+<file path=ppt/tags/tag11.xml><?xml version="1.0" encoding="utf-8"?>
+<p:tagLst xmlns:p="http://schemas.openxmlformats.org/presentationml/2006/main">
+  <p:tag name="KSO_WM_BEAUTIFY_FLAG" val="#wm#"/>
+  <p:tag name="KSO_WM_TEMPLATE_CATEGORY" val="custom"/>
+  <p:tag name="KSO_WM_TEMPLATE_INDEX" val="160402"/>
+</p:tagLst>
+</file>
+
+<file path=ppt/tags/tag12.xml><?xml version="1.0" encoding="utf-8"?>
+<p:tagLst xmlns:p="http://schemas.openxmlformats.org/presentationml/2006/main">
+  <p:tag name="KSO_WM_BEAUTIFY_FLAG" val="#wm#"/>
+  <p:tag name="KSO_WM_TEMPLATE_CATEGORY" val="custom"/>
+  <p:tag name="KSO_WM_TEMPLATE_INDEX" val="160402"/>
+</p:tagLst>
+</file>
+
+<file path=ppt/tags/tag13.xml><?xml version="1.0" encoding="utf-8"?>
 <p:tagLst xmlns:p="http://schemas.openxmlformats.org/presentationml/2006/main">
   <p:tag name="COMMONDATA" val="eyJoZGlkIjoiODcwZjc5M2RmYzUwOWE5MjVkODVjZGMyZDUwOTRjYmEifQ=="/>
 </p:tagLst>
